--- a/Présentation de Mini Batch K-Means.pptx
+++ b/Présentation de Mini Batch K-Means.pptx
@@ -215,7 +215,7 @@
             <a:pPr rtl="0"/>
             <a:fld id="{E7829D4B-412A-499A-8D4F-B904ADB5D0BE}" type="datetime1">
               <a:rPr lang="fr-FR" smtClean="0"/>
-              <a:t>09/02/2025</a:t>
+              <a:t>06/04/2025</a:t>
             </a:fld>
             <a:endParaRPr lang="fr-FR" dirty="0"/>
           </a:p>
@@ -435,7 +435,7 @@
             <a:pPr rtl="0"/>
             <a:fld id="{CCE360E1-1F2F-4ECC-8A8D-37670FD54F5F}" type="datetime1">
               <a:rPr lang="fr-FR" smtClean="0"/>
-              <a:t>09/02/2025</a:t>
+              <a:t>06/04/2025</a:t>
             </a:fld>
             <a:endParaRPr lang="fr-FR" dirty="0"/>
           </a:p>
@@ -10178,7 +10178,7 @@
         <p:spPr>
           <a:xfrm>
             <a:off x="6245525" y="4666891"/>
-            <a:ext cx="5072332" cy="1200329"/>
+            <a:ext cx="5072332" cy="923330"/>
           </a:xfrm>
           <a:prstGeom prst="rect">
             <a:avLst/>
@@ -10241,19 +10241,21 @@
                   <a:schemeClr val="bg1"/>
                 </a:solidFill>
               </a:rPr>
-              <a:t>: AYMANE EL MAGHRAOUI &amp; </a:t>
-            </a:r>
-          </a:p>
-          <a:p>
-            <a:pPr algn="ctr"/>
-            <a:r>
-              <a:rPr lang="fr-FR" dirty="0">
-                <a:solidFill>
-                  <a:schemeClr val="bg1"/>
-                </a:solidFill>
-              </a:rPr>
-              <a:t>IBRAHYM BADRY</a:t>
-            </a:r>
+              <a:t>: AYMANE EL </a:t>
+            </a:r>
+            <a:r>
+              <a:rPr lang="fr-FR">
+                <a:solidFill>
+                  <a:schemeClr val="bg1"/>
+                </a:solidFill>
+              </a:rPr>
+              <a:t>MAGHRAOUI </a:t>
+            </a:r>
+            <a:endParaRPr lang="fr-FR" dirty="0">
+              <a:solidFill>
+                <a:schemeClr val="bg1"/>
+              </a:solidFill>
+            </a:endParaRPr>
           </a:p>
         </p:txBody>
       </p:sp>
@@ -11404,8 +11406,8 @@
           <a:chExt cx="0" cy="0"/>
         </a:xfrm>
       </p:grpSpPr>
-      <mc:AlternateContent xmlns:mc="http://schemas.openxmlformats.org/markup-compatibility/2006">
-        <mc:Choice xmlns:a14="http://schemas.microsoft.com/office/drawing/2010/main" Requires="a14">
+      <mc:AlternateContent xmlns:mc="http://schemas.openxmlformats.org/markup-compatibility/2006" xmlns:a14="http://schemas.microsoft.com/office/drawing/2010/main">
+        <mc:Choice Requires="a14">
           <p:sp>
             <p:nvSpPr>
               <p:cNvPr id="2" name="ZoneTexte 1">
@@ -11826,16 +11828,7 @@
                                 </a:solidFill>
                                 <a:latin typeface="Cambria Math" panose="02040503050406030204" pitchFamily="18" charset="0"/>
                               </a:rPr>
-                              <m:t>(3</m:t>
-                            </m:r>
-                            <m:r>
-                              <a:rPr lang="fr-FR" i="1">
-                                <a:solidFill>
-                                  <a:schemeClr val="bg1"/>
-                                </a:solidFill>
-                                <a:latin typeface="Cambria Math" panose="02040503050406030204" pitchFamily="18" charset="0"/>
-                              </a:rPr>
-                              <m:t>−2)</m:t>
+                              <m:t>(3−2)</m:t>
                             </m:r>
                           </m:e>
                           <m:sup>
@@ -12026,16 +12019,7 @@
                                 </a:solidFill>
                                 <a:latin typeface="Cambria Math" panose="02040503050406030204" pitchFamily="18" charset="0"/>
                               </a:rPr>
-                              <m:t>(3</m:t>
-                            </m:r>
-                            <m:r>
-                              <a:rPr lang="fr-FR" i="1">
-                                <a:solidFill>
-                                  <a:schemeClr val="bg1"/>
-                                </a:solidFill>
-                                <a:latin typeface="Cambria Math" panose="02040503050406030204" pitchFamily="18" charset="0"/>
-                              </a:rPr>
-                              <m:t>−</m:t>
+                              <m:t>(3−</m:t>
                             </m:r>
                             <m:r>
                               <a:rPr lang="fr-FR" b="0" i="1" smtClean="0">
@@ -12814,7 +12798,7 @@
             </p:txBody>
           </p:sp>
         </mc:Choice>
-        <mc:Fallback>
+        <mc:Fallback xmlns="">
           <p:sp>
             <p:nvSpPr>
               <p:cNvPr id="2" name="ZoneTexte 1">
@@ -12895,8 +12879,8 @@
           <a:chExt cx="0" cy="0"/>
         </a:xfrm>
       </p:grpSpPr>
-      <mc:AlternateContent xmlns:mc="http://schemas.openxmlformats.org/markup-compatibility/2006">
-        <mc:Choice xmlns:a14="http://schemas.microsoft.com/office/drawing/2010/main" Requires="a14">
+      <mc:AlternateContent xmlns:mc="http://schemas.openxmlformats.org/markup-compatibility/2006" xmlns:a14="http://schemas.microsoft.com/office/drawing/2010/main">
+        <mc:Choice Requires="a14">
           <p:sp>
             <p:nvSpPr>
               <p:cNvPr id="2" name="ZoneTexte 1">
@@ -14203,25 +14187,7 @@
                             </a:solidFill>
                             <a:latin typeface="Cambria Math" panose="02040503050406030204" pitchFamily="18" charset="0"/>
                           </a:rPr>
-                          <m:t>(</m:t>
-                        </m:r>
-                        <m:r>
-                          <a:rPr lang="fr-FR" i="1">
-                            <a:solidFill>
-                              <a:srgbClr val="000000"/>
-                            </a:solidFill>
-                            <a:latin typeface="Cambria Math" panose="02040503050406030204" pitchFamily="18" charset="0"/>
-                          </a:rPr>
-                          <m:t>1</m:t>
-                        </m:r>
-                        <m:r>
-                          <a:rPr lang="fr-FR" i="1">
-                            <a:solidFill>
-                              <a:srgbClr val="000000"/>
-                            </a:solidFill>
-                            <a:latin typeface="Cambria Math" panose="02040503050406030204" pitchFamily="18" charset="0"/>
-                          </a:rPr>
-                          <m:t>)</m:t>
+                          <m:t>(1)</m:t>
                         </m:r>
                       </m:sup>
                     </m:sSubSup>
@@ -14257,7 +14223,7 @@
             </p:txBody>
           </p:sp>
         </mc:Choice>
-        <mc:Fallback>
+        <mc:Fallback xmlns="">
           <p:sp>
             <p:nvSpPr>
               <p:cNvPr id="2" name="ZoneTexte 1">
@@ -22305,26 +22271,6 @@
 </file>
 
 <file path=customXml/item1.xml><?xml version="1.0" encoding="utf-8"?>
-<p:properties xmlns:p="http://schemas.microsoft.com/office/2006/metadata/properties" xmlns:xsi="http://www.w3.org/2001/XMLSchema-instance" xmlns:pc="http://schemas.microsoft.com/office/infopath/2007/PartnerControls">
-  <documentManagement>
-    <Background xmlns="71af3243-3dd4-4a8d-8c0d-dd76da1f02a5">false</Background>
-    <Status xmlns="71af3243-3dd4-4a8d-8c0d-dd76da1f02a5">Not started</Status>
-    <_ip_UnifiedCompliancePolicyUIAction xmlns="http://schemas.microsoft.com/sharepoint/v3" xsi:nil="true"/>
-    <Image xmlns="71af3243-3dd4-4a8d-8c0d-dd76da1f02a5">
-      <Url xsi:nil="true"/>
-      <Description xsi:nil="true"/>
-    </Image>
-    <_ip_UnifiedCompliancePolicyProperties xmlns="http://schemas.microsoft.com/sharepoint/v3" xsi:nil="true"/>
-    <ImageTagsTaxHTField xmlns="71af3243-3dd4-4a8d-8c0d-dd76da1f02a5">
-      <Terms xmlns="http://schemas.microsoft.com/office/infopath/2007/PartnerControls"/>
-    </ImageTagsTaxHTField>
-    <TaxCatchAll xmlns="230e9df3-be65-4c73-a93b-d1236ebd677e" xsi:nil="true"/>
-    <MediaServiceKeyPoints xmlns="71af3243-3dd4-4a8d-8c0d-dd76da1f02a5" xsi:nil="true"/>
-  </documentManagement>
-</p:properties>
-</file>
-
-<file path=customXml/item2.xml><?xml version="1.0" encoding="utf-8"?>
 <ct:contentTypeSchema xmlns:ct="http://schemas.microsoft.com/office/2006/metadata/contentType" xmlns:ma="http://schemas.microsoft.com/office/2006/metadata/properties/metaAttributes" ct:_="" ma:_="" ma:contentTypeName="Document" ma:contentTypeID="0x01010079F111ED35F8CC479449609E8A0923A6" ma:contentTypeVersion="28" ma:contentTypeDescription="Create a new document." ma:contentTypeScope="" ma:versionID="60f5a4f2d2b0abadcf532d48ebf9cb71">
   <xsd:schema xmlns:xsd="http://www.w3.org/2001/XMLSchema" xmlns:xs="http://www.w3.org/2001/XMLSchema" xmlns:p="http://schemas.microsoft.com/office/2006/metadata/properties" xmlns:ns1="http://schemas.microsoft.com/sharepoint/v3" xmlns:ns2="71af3243-3dd4-4a8d-8c0d-dd76da1f02a5" xmlns:ns3="16c05727-aa75-4e4a-9b5f-8a80a1165891" xmlns:ns4="230e9df3-be65-4c73-a93b-d1236ebd677e" targetNamespace="http://schemas.microsoft.com/office/2006/metadata/properties" ma:root="true" ma:fieldsID="7dd78129e6a1811f84807ad11c651531" ns1:_="" ns2:_="" ns3:_="" ns4:_="">
     <xsd:import namespace="http://schemas.microsoft.com/sharepoint/v3"/>
@@ -22636,6 +22582,26 @@
 </ct:contentTypeSchema>
 </file>
 
+<file path=customXml/item2.xml><?xml version="1.0" encoding="utf-8"?>
+<p:properties xmlns:p="http://schemas.microsoft.com/office/2006/metadata/properties" xmlns:xsi="http://www.w3.org/2001/XMLSchema-instance" xmlns:pc="http://schemas.microsoft.com/office/infopath/2007/PartnerControls">
+  <documentManagement>
+    <Background xmlns="71af3243-3dd4-4a8d-8c0d-dd76da1f02a5">false</Background>
+    <Status xmlns="71af3243-3dd4-4a8d-8c0d-dd76da1f02a5">Not started</Status>
+    <_ip_UnifiedCompliancePolicyUIAction xmlns="http://schemas.microsoft.com/sharepoint/v3" xsi:nil="true"/>
+    <Image xmlns="71af3243-3dd4-4a8d-8c0d-dd76da1f02a5">
+      <Url xsi:nil="true"/>
+      <Description xsi:nil="true"/>
+    </Image>
+    <_ip_UnifiedCompliancePolicyProperties xmlns="http://schemas.microsoft.com/sharepoint/v3" xsi:nil="true"/>
+    <ImageTagsTaxHTField xmlns="71af3243-3dd4-4a8d-8c0d-dd76da1f02a5">
+      <Terms xmlns="http://schemas.microsoft.com/office/infopath/2007/PartnerControls"/>
+    </ImageTagsTaxHTField>
+    <TaxCatchAll xmlns="230e9df3-be65-4c73-a93b-d1236ebd677e" xsi:nil="true"/>
+    <MediaServiceKeyPoints xmlns="71af3243-3dd4-4a8d-8c0d-dd76da1f02a5" xsi:nil="true"/>
+  </documentManagement>
+</p:properties>
+</file>
+
 <file path=customXml/item3.xml><?xml version="1.0" encoding="utf-8"?>
 <?mso-contentType ?>
 <FormTemplates xmlns="http://schemas.microsoft.com/sharepoint/v3/contenttype/forms">
@@ -22646,18 +22612,6 @@
 </file>
 
 <file path=customXml/itemProps1.xml><?xml version="1.0" encoding="utf-8"?>
-<ds:datastoreItem xmlns:ds="http://schemas.openxmlformats.org/officeDocument/2006/customXml" ds:itemID="{4F4B194E-8B30-4377-8C59-ECFB902D2A26}">
-  <ds:schemaRefs>
-    <ds:schemaRef ds:uri="http://schemas.microsoft.com/office/2006/metadata/properties"/>
-    <ds:schemaRef ds:uri="http://schemas.microsoft.com/office/infopath/2007/PartnerControls"/>
-    <ds:schemaRef ds:uri="71af3243-3dd4-4a8d-8c0d-dd76da1f02a5"/>
-    <ds:schemaRef ds:uri="http://schemas.microsoft.com/sharepoint/v3"/>
-    <ds:schemaRef ds:uri="230e9df3-be65-4c73-a93b-d1236ebd677e"/>
-  </ds:schemaRefs>
-</ds:datastoreItem>
-</file>
-
-<file path=customXml/itemProps2.xml><?xml version="1.0" encoding="utf-8"?>
 <ds:datastoreItem xmlns:ds="http://schemas.openxmlformats.org/officeDocument/2006/customXml" ds:itemID="{92DB9E12-8AC3-4138-BF4D-720A5525AB10}">
   <ds:schemaRefs>
     <ds:schemaRef ds:uri="http://schemas.microsoft.com/office/2006/metadata/contentType"/>
@@ -22678,6 +22632,18 @@
 </ds:datastoreItem>
 </file>
 
+<file path=customXml/itemProps2.xml><?xml version="1.0" encoding="utf-8"?>
+<ds:datastoreItem xmlns:ds="http://schemas.openxmlformats.org/officeDocument/2006/customXml" ds:itemID="{4F4B194E-8B30-4377-8C59-ECFB902D2A26}">
+  <ds:schemaRefs>
+    <ds:schemaRef ds:uri="http://schemas.microsoft.com/office/2006/metadata/properties"/>
+    <ds:schemaRef ds:uri="http://schemas.microsoft.com/office/infopath/2007/PartnerControls"/>
+    <ds:schemaRef ds:uri="71af3243-3dd4-4a8d-8c0d-dd76da1f02a5"/>
+    <ds:schemaRef ds:uri="http://schemas.microsoft.com/sharepoint/v3"/>
+    <ds:schemaRef ds:uri="230e9df3-be65-4c73-a93b-d1236ebd677e"/>
+  </ds:schemaRefs>
+</ds:datastoreItem>
+</file>
+
 <file path=customXml/itemProps3.xml><?xml version="1.0" encoding="utf-8"?>
 <ds:datastoreItem xmlns:ds="http://schemas.openxmlformats.org/officeDocument/2006/customXml" ds:itemID="{C21FFAC0-05A2-416A-B06C-C248395482CF}">
   <ds:schemaRefs>
